--- a/docs/OverviewOfEAArtifacts.pptx
+++ b/docs/OverviewOfEAArtifacts.pptx
@@ -164,6 +164,46 @@
       </a:defRPr>
     </a:lvl9pPr>
   </p:defaultTextStyle>
+  <p:extLst>
+    <p:ext uri="{EFAFB233-063F-42B5-8137-9DF3F51BA10A}">
+      <p15:sldGuideLst xmlns:p15="http://schemas.microsoft.com/office/powerpoint/2012/main">
+        <p15:guide id="1" orient="horz" pos="1207">
+          <p15:clr>
+            <a:srgbClr val="A4A3A4"/>
+          </p15:clr>
+        </p15:guide>
+        <p15:guide id="2" orient="horz" pos="3007">
+          <p15:clr>
+            <a:srgbClr val="A4A3A4"/>
+          </p15:clr>
+        </p15:guide>
+        <p15:guide id="3" orient="horz" pos="437">
+          <p15:clr>
+            <a:srgbClr val="A4A3A4"/>
+          </p15:clr>
+        </p15:guide>
+        <p15:guide id="4" pos="369">
+          <p15:clr>
+            <a:srgbClr val="A4A3A4"/>
+          </p15:clr>
+        </p15:guide>
+      </p15:sldGuideLst>
+    </p:ext>
+    <p:ext uri="{2D200454-40CA-4A62-9FC3-DE9A4176ACB9}">
+      <p15:notesGuideLst xmlns:p15="http://schemas.microsoft.com/office/powerpoint/2012/main">
+        <p15:guide id="1" orient="horz" pos="2932">
+          <p15:clr>
+            <a:srgbClr val="A4A3A4"/>
+          </p15:clr>
+        </p15:guide>
+        <p15:guide id="2" pos="2212">
+          <p15:clr>
+            <a:srgbClr val="A4A3A4"/>
+          </p15:clr>
+        </p15:guide>
+      </p15:notesGuideLst>
+    </p:ext>
+  </p:extLst>
 </p:presentation>
 </file>
 
@@ -1289,6 +1329,11 @@
         </p:txBody>
       </p:sp>
     </p:spTree>
+    <p:extLst>
+      <p:ext uri="{BB962C8B-B14F-4D97-AF65-F5344CB8AC3E}">
+        <p14:creationId xmlns:p14="http://schemas.microsoft.com/office/powerpoint/2010/main" val="3071790301"/>
+      </p:ext>
+    </p:extLst>
   </p:cSld>
   <p:clrMapOvr>
     <a:masterClrMapping/>
@@ -3842,7 +3887,7 @@
         <p:spPr>
           <a:xfrm>
             <a:off x="425450" y="4240213"/>
-            <a:ext cx="8293100" cy="609600"/>
+            <a:ext cx="8293100" cy="353943"/>
           </a:xfrm>
         </p:spPr>
         <p:txBody>
@@ -3850,17 +3895,7 @@
           <a:lstStyle/>
           <a:p>
             <a:pPr eaLnBrk="1" hangingPunct="1"/>
-            <a:r>
-              <a:rPr lang="en-US" smtClean="0"/>
-              <a:t>Rob Byrd</a:t>
-            </a:r>
-          </a:p>
-          <a:p>
-            <a:pPr eaLnBrk="1" hangingPunct="1"/>
-            <a:r>
-              <a:rPr lang="en-US" smtClean="0"/>
-              <a:t>rob.byrd@austintexas.gov</a:t>
-            </a:r>
+            <a:endParaRPr lang="en-US" dirty="0" smtClean="0"/>
           </a:p>
         </p:txBody>
       </p:sp>
@@ -4617,15 +4652,6 @@
                 <a:tailEnd/>
               </a14:hiddenLine>
             </a:ext>
-            <a:ext uri="{AF507438-7753-43E0-B8FC-AC1667EBCBE1}">
-              <a14:hiddenEffects xmlns:a14="http://schemas.microsoft.com/office/drawing/2010/main">
-                <a:effectLst>
-                  <a:outerShdw dist="35921" dir="2700000" algn="ctr" rotWithShape="0">
-                    <a:schemeClr val="bg2"/>
-                  </a:outerShdw>
-                </a:effectLst>
-              </a14:hiddenEffects>
-            </a:ext>
           </a:extLst>
         </p:spPr>
       </p:pic>
@@ -5224,15 +5250,6 @@
                 <a:headEnd/>
                 <a:tailEnd/>
               </a14:hiddenLine>
-            </a:ext>
-            <a:ext uri="{AF507438-7753-43E0-B8FC-AC1667EBCBE1}">
-              <a14:hiddenEffects xmlns:a14="http://schemas.microsoft.com/office/drawing/2010/main">
-                <a:effectLst>
-                  <a:outerShdw dist="35921" dir="2700000" algn="ctr" rotWithShape="0">
-                    <a:schemeClr val="bg2"/>
-                  </a:outerShdw>
-                </a:effectLst>
-              </a14:hiddenEffects>
             </a:ext>
           </a:extLst>
         </p:spPr>
@@ -5307,15 +5324,6 @@
                   <a:headEnd/>
                   <a:tailEnd/>
                 </a14:hiddenLine>
-              </a:ext>
-              <a:ext uri="{AF507438-7753-43E0-B8FC-AC1667EBCBE1}">
-                <a14:hiddenEffects xmlns:a14="http://schemas.microsoft.com/office/drawing/2010/main">
-                  <a:effectLst>
-                    <a:outerShdw dist="35921" dir="2700000" algn="ctr" rotWithShape="0">
-                      <a:schemeClr val="bg2"/>
-                    </a:outerShdw>
-                  </a:effectLst>
-                </a14:hiddenEffects>
               </a:ext>
             </a:extLst>
           </p:spPr>
@@ -6627,15 +6635,7 @@
             <a:pPr lvl="1"/>
             <a:r>
               <a:rPr lang="en-US" dirty="0" smtClean="0"/>
-              <a:t>System </a:t>
-            </a:r>
-            <a:r>
-              <a:rPr lang="en-US" dirty="0" smtClean="0"/>
-              <a:t>Context and Sequence </a:t>
-            </a:r>
-            <a:r>
-              <a:rPr lang="en-US" dirty="0" smtClean="0"/>
-              <a:t>Diagram</a:t>
+              <a:t>System Context and Sequence Diagram</a:t>
             </a:r>
           </a:p>
           <a:p>
@@ -8815,11 +8815,7 @@
           <a:p>
             <a:r>
               <a:rPr lang="en-US" dirty="0" smtClean="0"/>
-              <a:t>The Use Case provides </a:t>
-            </a:r>
-            <a:r>
-              <a:rPr lang="en-US" dirty="0" smtClean="0"/>
-              <a:t>the supporting business analysis to derive business needs and drive  business solutions</a:t>
+              <a:t>The Use Case provides the supporting business analysis to derive business needs and drive  business solutions</a:t>
             </a:r>
           </a:p>
           <a:p>
@@ -12458,18 +12454,18 @@
 </file>
 
 <file path=customXml/item1.xml><?xml version="1.0" encoding="utf-8"?>
-<p:properties xmlns:p="http://schemas.microsoft.com/office/2006/metadata/properties" xmlns:xsi="http://www.w3.org/2001/XMLSchema-instance">
-  <documentManagement/>
-</p:properties>
-</file>
-
-<file path=customXml/item2.xml><?xml version="1.0" encoding="utf-8"?>
 <?mso-contentType ?>
 <FormTemplates xmlns="http://schemas.microsoft.com/sharepoint/v3/contenttype/forms">
   <Display>DocumentLibraryForm</Display>
   <Edit>DocumentLibraryForm</Edit>
   <New>DocumentLibraryForm</New>
 </FormTemplates>
+</file>
+
+<file path=customXml/item2.xml><?xml version="1.0" encoding="utf-8"?>
+<p:properties xmlns:p="http://schemas.microsoft.com/office/2006/metadata/properties" xmlns:xsi="http://www.w3.org/2001/XMLSchema-instance">
+  <documentManagement/>
+</p:properties>
 </file>
 
 <file path=customXml/item3.xml><?xml version="1.0" encoding="utf-8"?>
@@ -12522,6 +12518,14 @@
 </file>
 
 <file path=customXml/itemProps1.xml><?xml version="1.0" encoding="utf-8"?>
+<ds:datastoreItem xmlns:ds="http://schemas.openxmlformats.org/officeDocument/2006/customXml" ds:itemID="{4307F8BB-3F6D-4111-959D-C299269564AB}">
+  <ds:schemaRefs>
+    <ds:schemaRef ds:uri="http://schemas.microsoft.com/sharepoint/v3/contenttype/forms"/>
+  </ds:schemaRefs>
+</ds:datastoreItem>
+</file>
+
+<file path=customXml/itemProps2.xml><?xml version="1.0" encoding="utf-8"?>
 <ds:datastoreItem xmlns:ds="http://schemas.openxmlformats.org/officeDocument/2006/customXml" ds:itemID="{CA8B7F1B-FAFD-4C7F-A645-B4AC10D6302B}">
   <ds:schemaRefs>
     <ds:schemaRef ds:uri="http://schemas.openxmlformats.org/package/2006/metadata/core-properties"/>
@@ -12531,14 +12535,6 @@
     <ds:schemaRef ds:uri="http://purl.org/dc/dcmitype/"/>
     <ds:schemaRef ds:uri="http://schemas.microsoft.com/office/2006/metadata/properties"/>
     <ds:schemaRef ds:uri="http://purl.org/dc/terms/"/>
-  </ds:schemaRefs>
-</ds:datastoreItem>
-</file>
-
-<file path=customXml/itemProps2.xml><?xml version="1.0" encoding="utf-8"?>
-<ds:datastoreItem xmlns:ds="http://schemas.openxmlformats.org/officeDocument/2006/customXml" ds:itemID="{4307F8BB-3F6D-4111-959D-C299269564AB}">
-  <ds:schemaRefs>
-    <ds:schemaRef ds:uri="http://schemas.microsoft.com/sharepoint/v3/contenttype/forms"/>
   </ds:schemaRefs>
 </ds:datastoreItem>
 </file>
